--- a/Syllabus/Lecture08/Lec08.pptx
+++ b/Syllabus/Lecture08/Lec08.pptx
@@ -2648,6 +2648,176 @@
           </a:bodyPr>
           <a:lstStyle/>
           <a:p>
+            <a:r>
+              <a:rPr lang="en-US" sz="1600" b="0" i="0" kern="1200" dirty="0">
+                <a:solidFill>
+                  <a:schemeClr val="tx1"/>
+                </a:solidFill>
+                <a:effectLst/>
+                <a:latin typeface="+mn-lt"/>
+                <a:ea typeface="+mn-ea"/>
+                <a:cs typeface="+mn-cs"/>
+              </a:rPr>
+              <a:t>C: Inverse of the strength of regularization ( process of adding information in order to solve an ill-posed problem or to prevent overfitting).</a:t>
+            </a:r>
+          </a:p>
+          <a:p>
+            <a:r>
+              <a:rPr lang="en-US" sz="1600" b="0" i="1" kern="1200" dirty="0">
+                <a:solidFill>
+                  <a:schemeClr val="tx1"/>
+                </a:solidFill>
+                <a:effectLst/>
+                <a:latin typeface="+mn-lt"/>
+                <a:ea typeface="+mn-ea"/>
+                <a:cs typeface="+mn-cs"/>
+              </a:rPr>
+              <a:t>Behavior: As the value of ‘c’ increases the model gets overfits.</a:t>
+            </a:r>
+          </a:p>
+          <a:p>
+            <a:r>
+              <a:rPr lang="en-US" sz="1600" b="0" i="1" kern="1200" dirty="0">
+                <a:solidFill>
+                  <a:schemeClr val="tx1"/>
+                </a:solidFill>
+                <a:effectLst/>
+                <a:latin typeface="+mn-lt"/>
+                <a:ea typeface="+mn-ea"/>
+                <a:cs typeface="+mn-cs"/>
+              </a:rPr>
+              <a:t>As the value of ‘c’ decreases the model underfits.</a:t>
+            </a:r>
+            <a:endParaRPr lang="en-US" sz="1600" b="0" i="0" kern="1200" dirty="0">
+              <a:solidFill>
+                <a:schemeClr val="tx1"/>
+              </a:solidFill>
+              <a:effectLst/>
+              <a:latin typeface="+mn-lt"/>
+              <a:ea typeface="+mn-ea"/>
+              <a:cs typeface="+mn-cs"/>
+            </a:endParaRPr>
+          </a:p>
+          <a:p>
+            <a:endParaRPr lang="en-US" sz="1600" b="0" i="0" kern="1200" dirty="0">
+              <a:solidFill>
+                <a:schemeClr val="tx1"/>
+              </a:solidFill>
+              <a:effectLst/>
+              <a:latin typeface="+mn-lt"/>
+              <a:ea typeface="+mn-ea"/>
+              <a:cs typeface="+mn-cs"/>
+            </a:endParaRPr>
+          </a:p>
+          <a:p>
+            <a:r>
+              <a:rPr lang="en-US" sz="1600" b="0" i="0" kern="1200" dirty="0">
+                <a:solidFill>
+                  <a:schemeClr val="tx1"/>
+                </a:solidFill>
+                <a:effectLst/>
+                <a:latin typeface="+mn-lt"/>
+                <a:ea typeface="+mn-ea"/>
+                <a:cs typeface="+mn-cs"/>
+              </a:rPr>
+              <a:t>2. γ : Gamma (used only for RBF kernel)</a:t>
+            </a:r>
+          </a:p>
+          <a:p>
+            <a:r>
+              <a:rPr lang="en-US" sz="1600" b="0" i="1" kern="1200" dirty="0">
+                <a:solidFill>
+                  <a:schemeClr val="tx1"/>
+                </a:solidFill>
+                <a:effectLst/>
+                <a:latin typeface="+mn-lt"/>
+                <a:ea typeface="+mn-ea"/>
+                <a:cs typeface="+mn-cs"/>
+              </a:rPr>
+              <a:t>Behavior: As the value of ‘</a:t>
+            </a:r>
+            <a:r>
+              <a:rPr lang="en-US" sz="1600" b="0" i="0" kern="1200" dirty="0">
+                <a:solidFill>
+                  <a:schemeClr val="tx1"/>
+                </a:solidFill>
+                <a:effectLst/>
+                <a:latin typeface="+mn-lt"/>
+                <a:ea typeface="+mn-ea"/>
+                <a:cs typeface="+mn-cs"/>
+              </a:rPr>
+              <a:t> γ</a:t>
+            </a:r>
+            <a:r>
+              <a:rPr lang="en-US" sz="1600" b="0" i="1" kern="1200" dirty="0">
+                <a:solidFill>
+                  <a:schemeClr val="tx1"/>
+                </a:solidFill>
+                <a:effectLst/>
+                <a:latin typeface="+mn-lt"/>
+                <a:ea typeface="+mn-ea"/>
+                <a:cs typeface="+mn-cs"/>
+              </a:rPr>
+              <a:t>’ increases the model gets overfits.</a:t>
+            </a:r>
+            <a:endParaRPr lang="en-US" sz="1600" b="0" i="0" kern="1200" dirty="0">
+              <a:solidFill>
+                <a:schemeClr val="tx1"/>
+              </a:solidFill>
+              <a:effectLst/>
+              <a:latin typeface="+mn-lt"/>
+              <a:ea typeface="+mn-ea"/>
+              <a:cs typeface="+mn-cs"/>
+            </a:endParaRPr>
+          </a:p>
+          <a:p>
+            <a:r>
+              <a:rPr lang="en-US" sz="1600" b="0" i="1" kern="1200" dirty="0">
+                <a:solidFill>
+                  <a:schemeClr val="tx1"/>
+                </a:solidFill>
+                <a:effectLst/>
+                <a:latin typeface="+mn-lt"/>
+                <a:ea typeface="+mn-ea"/>
+                <a:cs typeface="+mn-cs"/>
+              </a:rPr>
+              <a:t>As the value of ‘</a:t>
+            </a:r>
+            <a:r>
+              <a:rPr lang="en-US" sz="1600" b="0" i="0" kern="1200" dirty="0">
+                <a:solidFill>
+                  <a:schemeClr val="tx1"/>
+                </a:solidFill>
+                <a:effectLst/>
+                <a:latin typeface="+mn-lt"/>
+                <a:ea typeface="+mn-ea"/>
+                <a:cs typeface="+mn-cs"/>
+              </a:rPr>
+              <a:t> γ</a:t>
+            </a:r>
+            <a:r>
+              <a:rPr lang="en-US" sz="1600" b="0" i="1" kern="1200" dirty="0">
+                <a:solidFill>
+                  <a:schemeClr val="tx1"/>
+                </a:solidFill>
+                <a:effectLst/>
+                <a:latin typeface="+mn-lt"/>
+                <a:ea typeface="+mn-ea"/>
+                <a:cs typeface="+mn-cs"/>
+              </a:rPr>
+              <a:t>’ decreases the model underfits.</a:t>
+            </a:r>
+            <a:endParaRPr lang="en-US" sz="1600" b="0" i="0" kern="1200" dirty="0">
+              <a:solidFill>
+                <a:schemeClr val="tx1"/>
+              </a:solidFill>
+              <a:effectLst/>
+              <a:latin typeface="+mn-lt"/>
+              <a:ea typeface="+mn-ea"/>
+              <a:cs typeface="+mn-cs"/>
+            </a:endParaRPr>
+          </a:p>
+          <a:p>
             <a:pPr marL="0" lvl="0" indent="0" algn="l" rtl="0">
               <a:spcBef>
                 <a:spcPts val="0"/>
@@ -8273,7 +8443,7 @@
               <a:rPr lang="en-US" altLang="en-US" dirty="0">
                 <a:latin typeface="Tahoma" panose="020B0604030504040204" pitchFamily="34" charset="0"/>
               </a:rPr>
-              <a:t> is the linear classifier with the, um, maximum margin.</a:t>
+              <a:t> is the linear classifier with the maximum margin.</a:t>
             </a:r>
           </a:p>
           <a:p>
@@ -11571,8 +11741,8 @@
         </p:nvSpPr>
         <p:spPr bwMode="auto">
           <a:xfrm>
-            <a:off x="6926431" y="1276350"/>
-            <a:ext cx="4857443" cy="5016758"/>
+            <a:off x="7866215" y="1690062"/>
+            <a:ext cx="3768830" cy="3477875"/>
           </a:xfrm>
           <a:prstGeom prst="rect">
             <a:avLst/>
@@ -11729,42 +11899,6 @@
                 <a:latin typeface="Tahoma" panose="020B0604030504040204" pitchFamily="34" charset="0"/>
               </a:rPr>
               <a:t>If we’ve made a small error in the location of the boundary (it’s been jolted in its perpendicular direction) this gives us least chance of causing a misclassification.</a:t>
-            </a:r>
-          </a:p>
-          <a:p>
-            <a:pPr>
-              <a:spcBef>
-                <a:spcPct val="50000"/>
-              </a:spcBef>
-              <a:buClr>
-                <a:schemeClr val="tx1"/>
-              </a:buClr>
-              <a:buFontTx/>
-              <a:buAutoNum type="arabicPeriod"/>
-            </a:pPr>
-            <a:r>
-              <a:rPr lang="en-US" altLang="en-US" sz="2000" dirty="0">
-                <a:latin typeface="Tahoma" panose="020B0604030504040204" pitchFamily="34" charset="0"/>
-              </a:rPr>
-              <a:t>LOOCV is easy since the model is immune to removal of any non-support-vector datapoints.</a:t>
-            </a:r>
-          </a:p>
-          <a:p>
-            <a:pPr>
-              <a:spcBef>
-                <a:spcPct val="50000"/>
-              </a:spcBef>
-              <a:buClr>
-                <a:schemeClr val="tx1"/>
-              </a:buClr>
-              <a:buFontTx/>
-              <a:buAutoNum type="arabicPeriod"/>
-            </a:pPr>
-            <a:r>
-              <a:rPr lang="en-US" altLang="en-US" sz="2000" dirty="0">
-                <a:latin typeface="Tahoma" panose="020B0604030504040204" pitchFamily="34" charset="0"/>
-              </a:rPr>
-              <a:t>There’s some theory (using VC dimension) that is related to (but not the same as) the proposition that this is a good thing.</a:t>
             </a:r>
           </a:p>
           <a:p>
@@ -53064,7 +53198,7 @@
               <a:rPr lang="en-US" altLang="en-US" dirty="0">
                 <a:latin typeface="Tahoma" panose="020B0604030504040204" pitchFamily="34" charset="0"/>
               </a:rPr>
-              <a:t> is the linear classifier with the, um, maximum margin.</a:t>
+              <a:t> is the linear classifier with the maximum margin.</a:t>
             </a:r>
           </a:p>
           <a:p>
